--- a/Functions and Decorators/Functions and Decorators.pptx
+++ b/Functions and Decorators/Functions and Decorators.pptx
@@ -132,6 +132,9 @@
         </p14:section>
       </p14:sectionLst>
     </p:ext>
+    <p:ext uri="{EFAFB233-063F-42B5-8137-9DF3F51BA10A}">
+      <p15:sldGuideLst xmlns:p15="http://schemas.microsoft.com/office/powerpoint/2012/main"/>
+    </p:ext>
   </p:extLst>
 </p:presentation>
 </file>
@@ -283,7 +286,7 @@
           <a:p>
             <a:fld id="{2DF94F98-5920-4FC8-A24F-77E53B7D7141}" type="datetimeFigureOut">
               <a:rPr lang="da-DK" smtClean="0"/>
-              <a:t>30-12-2023</a:t>
+              <a:t>03-01-2024</a:t>
             </a:fld>
             <a:endParaRPr lang="da-DK"/>
           </a:p>
@@ -481,7 +484,7 @@
           <a:p>
             <a:fld id="{2DF94F98-5920-4FC8-A24F-77E53B7D7141}" type="datetimeFigureOut">
               <a:rPr lang="da-DK" smtClean="0"/>
-              <a:t>30-12-2023</a:t>
+              <a:t>03-01-2024</a:t>
             </a:fld>
             <a:endParaRPr lang="da-DK"/>
           </a:p>
@@ -689,7 +692,7 @@
           <a:p>
             <a:fld id="{2DF94F98-5920-4FC8-A24F-77E53B7D7141}" type="datetimeFigureOut">
               <a:rPr lang="da-DK" smtClean="0"/>
-              <a:t>30-12-2023</a:t>
+              <a:t>03-01-2024</a:t>
             </a:fld>
             <a:endParaRPr lang="da-DK"/>
           </a:p>
@@ -887,7 +890,7 @@
           <a:p>
             <a:fld id="{2DF94F98-5920-4FC8-A24F-77E53B7D7141}" type="datetimeFigureOut">
               <a:rPr lang="da-DK" smtClean="0"/>
-              <a:t>30-12-2023</a:t>
+              <a:t>03-01-2024</a:t>
             </a:fld>
             <a:endParaRPr lang="da-DK"/>
           </a:p>
@@ -1162,7 +1165,7 @@
           <a:p>
             <a:fld id="{2DF94F98-5920-4FC8-A24F-77E53B7D7141}" type="datetimeFigureOut">
               <a:rPr lang="da-DK" smtClean="0"/>
-              <a:t>30-12-2023</a:t>
+              <a:t>03-01-2024</a:t>
             </a:fld>
             <a:endParaRPr lang="da-DK"/>
           </a:p>
@@ -1427,7 +1430,7 @@
           <a:p>
             <a:fld id="{2DF94F98-5920-4FC8-A24F-77E53B7D7141}" type="datetimeFigureOut">
               <a:rPr lang="da-DK" smtClean="0"/>
-              <a:t>30-12-2023</a:t>
+              <a:t>03-01-2024</a:t>
             </a:fld>
             <a:endParaRPr lang="da-DK"/>
           </a:p>
@@ -1839,7 +1842,7 @@
           <a:p>
             <a:fld id="{2DF94F98-5920-4FC8-A24F-77E53B7D7141}" type="datetimeFigureOut">
               <a:rPr lang="da-DK" smtClean="0"/>
-              <a:t>30-12-2023</a:t>
+              <a:t>03-01-2024</a:t>
             </a:fld>
             <a:endParaRPr lang="da-DK"/>
           </a:p>
@@ -1980,7 +1983,7 @@
           <a:p>
             <a:fld id="{2DF94F98-5920-4FC8-A24F-77E53B7D7141}" type="datetimeFigureOut">
               <a:rPr lang="da-DK" smtClean="0"/>
-              <a:t>30-12-2023</a:t>
+              <a:t>03-01-2024</a:t>
             </a:fld>
             <a:endParaRPr lang="da-DK"/>
           </a:p>
@@ -2093,7 +2096,7 @@
           <a:p>
             <a:fld id="{2DF94F98-5920-4FC8-A24F-77E53B7D7141}" type="datetimeFigureOut">
               <a:rPr lang="da-DK" smtClean="0"/>
-              <a:t>30-12-2023</a:t>
+              <a:t>03-01-2024</a:t>
             </a:fld>
             <a:endParaRPr lang="da-DK"/>
           </a:p>
@@ -2404,7 +2407,7 @@
           <a:p>
             <a:fld id="{2DF94F98-5920-4FC8-A24F-77E53B7D7141}" type="datetimeFigureOut">
               <a:rPr lang="da-DK" smtClean="0"/>
-              <a:t>30-12-2023</a:t>
+              <a:t>03-01-2024</a:t>
             </a:fld>
             <a:endParaRPr lang="da-DK"/>
           </a:p>
@@ -2692,7 +2695,7 @@
           <a:p>
             <a:fld id="{2DF94F98-5920-4FC8-A24F-77E53B7D7141}" type="datetimeFigureOut">
               <a:rPr lang="da-DK" smtClean="0"/>
-              <a:t>30-12-2023</a:t>
+              <a:t>03-01-2024</a:t>
             </a:fld>
             <a:endParaRPr lang="da-DK"/>
           </a:p>
@@ -2933,7 +2936,7 @@
           <a:p>
             <a:fld id="{2DF94F98-5920-4FC8-A24F-77E53B7D7141}" type="datetimeFigureOut">
               <a:rPr lang="da-DK" smtClean="0"/>
-              <a:t>30-12-2023</a:t>
+              <a:t>03-01-2024</a:t>
             </a:fld>
             <a:endParaRPr lang="da-DK"/>
           </a:p>
@@ -3931,13 +3934,7 @@
           <a:lstStyle/>
           <a:p>
             <a:r>
-              <a:rPr lang="da-DK" sz="2400"/>
-              <a:t>Opfordring til at eksperimentere med dekorer og first-class funktioner i egne projekter.</a:t>
-            </a:r>
-          </a:p>
-          <a:p>
-            <a:r>
-              <a:rPr lang="da-DK" sz="2400"/>
+              <a:rPr lang="da-DK" sz="2400" dirty="0"/>
               <a:t>Afsluttende tanker om, hvordan disse koncepter kan anvendes til at skabe kraftfulde og effektive Python-applikationer.</a:t>
             </a:r>
           </a:p>
@@ -6254,7 +6251,7 @@
           <a:p>
             <a:r>
               <a:rPr lang="da-DK" sz="1600" dirty="0"/>
-              <a:t>Eksempel på, hvordan lukninger kan gemme og huske data fra deres leksikale </a:t>
+              <a:t>Eksempel på, hvordan lukninger kan gemme og huske data fra deres </a:t>
             </a:r>
             <a:r>
               <a:rPr lang="da-DK" sz="1600" dirty="0" err="1"/>
